--- a/app/template.pptx
+++ b/app/template.pptx
@@ -261,7 +261,7 @@
           <a:p>
             <a:fld id="{526F9597-C1B3-304A-92E3-4DBC353C9964}" type="datetimeFigureOut">
               <a:rPr lang="de-DE" smtClean="0"/>
-              <a:t>12.12.24</a:t>
+              <a:t>01.01.25</a:t>
             </a:fld>
             <a:endParaRPr lang="de-DE"/>
           </a:p>
@@ -459,7 +459,7 @@
           <a:p>
             <a:fld id="{526F9597-C1B3-304A-92E3-4DBC353C9964}" type="datetimeFigureOut">
               <a:rPr lang="de-DE" smtClean="0"/>
-              <a:t>12.12.24</a:t>
+              <a:t>01.01.25</a:t>
             </a:fld>
             <a:endParaRPr lang="de-DE"/>
           </a:p>
@@ -667,7 +667,7 @@
           <a:p>
             <a:fld id="{526F9597-C1B3-304A-92E3-4DBC353C9964}" type="datetimeFigureOut">
               <a:rPr lang="de-DE" smtClean="0"/>
-              <a:t>12.12.24</a:t>
+              <a:t>01.01.25</a:t>
             </a:fld>
             <a:endParaRPr lang="de-DE"/>
           </a:p>
@@ -814,7 +814,7 @@
           <a:p>
             <a:fld id="{526F9597-C1B3-304A-92E3-4DBC353C9964}" type="datetimeFigureOut">
               <a:rPr lang="de-DE" smtClean="0"/>
-              <a:t>12.12.24</a:t>
+              <a:t>01.01.25</a:t>
             </a:fld>
             <a:endParaRPr lang="de-DE"/>
           </a:p>
@@ -892,8 +892,8 @@
         </p:nvSpPr>
         <p:spPr>
           <a:xfrm>
-            <a:off x="838199" y="1922585"/>
-            <a:ext cx="10515599" cy="4232030"/>
+            <a:off x="838199" y="1301262"/>
+            <a:ext cx="10515599" cy="4853353"/>
           </a:xfrm>
         </p:spPr>
         <p:txBody>
@@ -1119,7 +1119,7 @@
           <a:p>
             <a:fld id="{526F9597-C1B3-304A-92E3-4DBC353C9964}" type="datetimeFigureOut">
               <a:rPr lang="de-DE" smtClean="0"/>
-              <a:t>12.12.24</a:t>
+              <a:t>01.01.25</a:t>
             </a:fld>
             <a:endParaRPr lang="de-DE"/>
           </a:p>
@@ -1384,7 +1384,7 @@
           <a:p>
             <a:fld id="{526F9597-C1B3-304A-92E3-4DBC353C9964}" type="datetimeFigureOut">
               <a:rPr lang="de-DE" smtClean="0"/>
-              <a:t>12.12.24</a:t>
+              <a:t>01.01.25</a:t>
             </a:fld>
             <a:endParaRPr lang="de-DE"/>
           </a:p>
@@ -1796,7 +1796,7 @@
           <a:p>
             <a:fld id="{526F9597-C1B3-304A-92E3-4DBC353C9964}" type="datetimeFigureOut">
               <a:rPr lang="de-DE" smtClean="0"/>
-              <a:t>12.12.24</a:t>
+              <a:t>01.01.25</a:t>
             </a:fld>
             <a:endParaRPr lang="de-DE"/>
           </a:p>
@@ -1937,7 +1937,7 @@
           <a:p>
             <a:fld id="{526F9597-C1B3-304A-92E3-4DBC353C9964}" type="datetimeFigureOut">
               <a:rPr lang="de-DE" smtClean="0"/>
-              <a:t>12.12.24</a:t>
+              <a:t>01.01.25</a:t>
             </a:fld>
             <a:endParaRPr lang="de-DE"/>
           </a:p>
@@ -2050,7 +2050,7 @@
           <a:p>
             <a:fld id="{526F9597-C1B3-304A-92E3-4DBC353C9964}" type="datetimeFigureOut">
               <a:rPr lang="de-DE" smtClean="0"/>
-              <a:t>12.12.24</a:t>
+              <a:t>01.01.25</a:t>
             </a:fld>
             <a:endParaRPr lang="de-DE"/>
           </a:p>
@@ -2361,7 +2361,7 @@
           <a:p>
             <a:fld id="{526F9597-C1B3-304A-92E3-4DBC353C9964}" type="datetimeFigureOut">
               <a:rPr lang="de-DE" smtClean="0"/>
-              <a:t>12.12.24</a:t>
+              <a:t>01.01.25</a:t>
             </a:fld>
             <a:endParaRPr lang="de-DE"/>
           </a:p>
@@ -2649,7 +2649,7 @@
           <a:p>
             <a:fld id="{526F9597-C1B3-304A-92E3-4DBC353C9964}" type="datetimeFigureOut">
               <a:rPr lang="de-DE" smtClean="0"/>
-              <a:t>12.12.24</a:t>
+              <a:t>01.01.25</a:t>
             </a:fld>
             <a:endParaRPr lang="de-DE"/>
           </a:p>
@@ -2746,62 +2746,24 @@
       </p:grpSpPr>
       <p:sp>
         <p:nvSpPr>
-          <p:cNvPr id="2" name="Titelplatzhalter 1">
-            <a:extLst>
-              <a:ext uri="{FF2B5EF4-FFF2-40B4-BE49-F238E27FC236}">
-                <a16:creationId xmlns:a16="http://schemas.microsoft.com/office/drawing/2014/main" id="{7B93F9C8-6BE8-A21B-AD44-972F711C8F86}"/>
-              </a:ext>
-            </a:extLst>
-          </p:cNvPr>
-          <p:cNvSpPr>
-            <a:spLocks noGrp="1"/>
-          </p:cNvSpPr>
-          <p:nvPr>
-            <p:ph type="title"/>
+          <p:cNvPr id="3" name="Textplatzhalter 2">
+            <a:extLst>
+              <a:ext uri="{FF2B5EF4-FFF2-40B4-BE49-F238E27FC236}">
+                <a16:creationId xmlns:a16="http://schemas.microsoft.com/office/drawing/2014/main" id="{5AB4ABD5-9E15-0D28-382C-DBD7C68DFE56}"/>
+              </a:ext>
+            </a:extLst>
+          </p:cNvPr>
+          <p:cNvSpPr>
+            <a:spLocks noGrp="1"/>
+          </p:cNvSpPr>
+          <p:nvPr>
+            <p:ph type="body" idx="1"/>
           </p:nvPr>
         </p:nvSpPr>
         <p:spPr>
           <a:xfrm>
-            <a:off x="838200" y="365125"/>
-            <a:ext cx="10515600" cy="1325563"/>
-          </a:xfrm>
-          <a:prstGeom prst="rect">
-            <a:avLst/>
-          </a:prstGeom>
-        </p:spPr>
-        <p:txBody>
-          <a:bodyPr vert="horz" lIns="91440" tIns="45720" rIns="91440" bIns="45720" rtlCol="0" anchor="ctr">
-            <a:normAutofit/>
-          </a:bodyPr>
-          <a:lstStyle/>
-          <a:p>
-            <a:r>
-              <a:rPr lang="de-DE"/>
-              <a:t>Mastertitelformat bearbeiten</a:t>
-            </a:r>
-          </a:p>
-        </p:txBody>
-      </p:sp>
-      <p:sp>
-        <p:nvSpPr>
-          <p:cNvPr id="3" name="Textplatzhalter 2">
-            <a:extLst>
-              <a:ext uri="{FF2B5EF4-FFF2-40B4-BE49-F238E27FC236}">
-                <a16:creationId xmlns:a16="http://schemas.microsoft.com/office/drawing/2014/main" id="{5AB4ABD5-9E15-0D28-382C-DBD7C68DFE56}"/>
-              </a:ext>
-            </a:extLst>
-          </p:cNvPr>
-          <p:cNvSpPr>
-            <a:spLocks noGrp="1"/>
-          </p:cNvSpPr>
-          <p:nvPr>
-            <p:ph type="body" idx="1"/>
-          </p:nvPr>
-        </p:nvSpPr>
-        <p:spPr>
-          <a:xfrm>
-            <a:off x="838200" y="1825625"/>
-            <a:ext cx="10515600" cy="4351338"/>
+            <a:off x="838200" y="1348154"/>
+            <a:ext cx="10515600" cy="4828809"/>
           </a:xfrm>
           <a:prstGeom prst="rect">
             <a:avLst/>
@@ -2890,7 +2852,7 @@
           <a:p>
             <a:fld id="{526F9597-C1B3-304A-92E3-4DBC353C9964}" type="datetimeFigureOut">
               <a:rPr lang="de-DE" smtClean="0"/>
-              <a:t>12.12.24</a:t>
+              <a:t>01.01.25</a:t>
             </a:fld>
             <a:endParaRPr lang="de-DE"/>
           </a:p>
@@ -2983,6 +2945,44 @@
               <a:t>‹Nr.›</a:t>
             </a:fld>
             <a:endParaRPr lang="de-DE"/>
+          </a:p>
+        </p:txBody>
+      </p:sp>
+      <p:sp>
+        <p:nvSpPr>
+          <p:cNvPr id="2" name="Titelplatzhalter 1">
+            <a:extLst>
+              <a:ext uri="{FF2B5EF4-FFF2-40B4-BE49-F238E27FC236}">
+                <a16:creationId xmlns:a16="http://schemas.microsoft.com/office/drawing/2014/main" id="{7B93F9C8-6BE8-A21B-AD44-972F711C8F86}"/>
+              </a:ext>
+            </a:extLst>
+          </p:cNvPr>
+          <p:cNvSpPr>
+            <a:spLocks noGrp="1"/>
+          </p:cNvSpPr>
+          <p:nvPr>
+            <p:ph type="title"/>
+          </p:nvPr>
+        </p:nvSpPr>
+        <p:spPr>
+          <a:xfrm>
+            <a:off x="838200" y="365125"/>
+            <a:ext cx="10515600" cy="725121"/>
+          </a:xfrm>
+          <a:prstGeom prst="rect">
+            <a:avLst/>
+          </a:prstGeom>
+        </p:spPr>
+        <p:txBody>
+          <a:bodyPr vert="horz" lIns="91440" tIns="45720" rIns="91440" bIns="45720" rtlCol="0" anchor="ctr">
+            <a:normAutofit/>
+          </a:bodyPr>
+          <a:lstStyle/>
+          <a:p>
+            <a:r>
+              <a:rPr lang="de-DE" dirty="0"/>
+              <a:t>Mastertitelformat bearbeiten</a:t>
+            </a:r>
           </a:p>
         </p:txBody>
       </p:sp>
@@ -3017,9 +3017,12 @@
           <a:spcPct val="0"/>
         </a:spcBef>
         <a:buNone/>
-        <a:defRPr sz="4400" kern="1200">
+        <a:defRPr sz="3200" b="1" kern="1200">
           <a:solidFill>
-            <a:schemeClr val="tx1"/>
+            <a:schemeClr val="accent3">
+              <a:lumMod val="90000"/>
+              <a:lumOff val="10000"/>
+            </a:schemeClr>
           </a:solidFill>
           <a:latin typeface="+mj-lt"/>
           <a:ea typeface="+mj-ea"/>
@@ -3331,66 +3334,14 @@
         <a:srgbClr val="047857"/>
       </a:folHlink>
     </a:clrScheme>
-    <a:fontScheme name="Office">
+    <a:fontScheme name="Calibri">
       <a:majorFont>
-        <a:latin typeface="Aptos Display" panose="02110004020202020204"/>
+        <a:latin typeface="Calibri" panose="020F0502020204030204"/>
         <a:ea typeface=""/>
         <a:cs typeface=""/>
-        <a:font script="Jpan" typeface="游ゴシック Light"/>
+        <a:font script="Jpan" typeface="メイリオ"/>
         <a:font script="Hang" typeface="맑은 고딕"/>
-        <a:font script="Hans" typeface="等线 Light"/>
-        <a:font script="Hant" typeface="新細明體"/>
-        <a:font script="Arab" typeface="Times New Roman"/>
-        <a:font script="Hebr" typeface="Times New Roman"/>
-        <a:font script="Thai" typeface="Angsana New"/>
-        <a:font script="Ethi" typeface="Nyala"/>
-        <a:font script="Beng" typeface="Vrinda"/>
-        <a:font script="Gujr" typeface="Shruti"/>
-        <a:font script="Khmr" typeface="MoolBoran"/>
-        <a:font script="Knda" typeface="Tunga"/>
-        <a:font script="Guru" typeface="Raavi"/>
-        <a:font script="Cans" typeface="Euphemia"/>
-        <a:font script="Cher" typeface="Plantagenet Cherokee"/>
-        <a:font script="Yiii" typeface="Microsoft Yi Baiti"/>
-        <a:font script="Tibt" typeface="Microsoft Himalaya"/>
-        <a:font script="Thaa" typeface="MV Boli"/>
-        <a:font script="Deva" typeface="Mangal"/>
-        <a:font script="Telu" typeface="Gautami"/>
-        <a:font script="Taml" typeface="Latha"/>
-        <a:font script="Syrc" typeface="Estrangelo Edessa"/>
-        <a:font script="Orya" typeface="Kalinga"/>
-        <a:font script="Mlym" typeface="Kartika"/>
-        <a:font script="Laoo" typeface="DokChampa"/>
-        <a:font script="Sinh" typeface="Iskoola Pota"/>
-        <a:font script="Mong" typeface="Mongolian Baiti"/>
-        <a:font script="Viet" typeface="Times New Roman"/>
-        <a:font script="Uigh" typeface="Microsoft Uighur"/>
-        <a:font script="Geor" typeface="Sylfaen"/>
-        <a:font script="Armn" typeface="Arial"/>
-        <a:font script="Bugi" typeface="Leelawadee UI"/>
-        <a:font script="Bopo" typeface="Microsoft JhengHei"/>
-        <a:font script="Java" typeface="Javanese Text"/>
-        <a:font script="Lisu" typeface="Segoe UI"/>
-        <a:font script="Mymr" typeface="Myanmar Text"/>
-        <a:font script="Nkoo" typeface="Ebrima"/>
-        <a:font script="Olck" typeface="Nirmala UI"/>
-        <a:font script="Osma" typeface="Ebrima"/>
-        <a:font script="Phag" typeface="Phagspa"/>
-        <a:font script="Syrn" typeface="Estrangelo Edessa"/>
-        <a:font script="Syrj" typeface="Estrangelo Edessa"/>
-        <a:font script="Syre" typeface="Estrangelo Edessa"/>
-        <a:font script="Sora" typeface="Nirmala UI"/>
-        <a:font script="Tale" typeface="Microsoft Tai Le"/>
-        <a:font script="Talu" typeface="Microsoft New Tai Lue"/>
-        <a:font script="Tfng" typeface="Ebrima"/>
-      </a:majorFont>
-      <a:minorFont>
-        <a:latin typeface="Aptos" panose="02110004020202020204"/>
-        <a:ea typeface=""/>
-        <a:cs typeface=""/>
-        <a:font script="Jpan" typeface="游ゴシック"/>
-        <a:font script="Hang" typeface="맑은 고딕"/>
-        <a:font script="Hans" typeface="等线"/>
+        <a:font script="Hans" typeface="宋体"/>
         <a:font script="Hant" typeface="新細明體"/>
         <a:font script="Arab" typeface="Arial"/>
         <a:font script="Hebr" typeface="Arial"/>
@@ -3415,26 +3366,44 @@
         <a:font script="Laoo" typeface="DokChampa"/>
         <a:font script="Sinh" typeface="Iskoola Pota"/>
         <a:font script="Mong" typeface="Mongolian Baiti"/>
-        <a:font script="Viet" typeface="Arial"/>
+        <a:font script="Viet" typeface="Tahoma"/>
         <a:font script="Uigh" typeface="Microsoft Uighur"/>
         <a:font script="Geor" typeface="Sylfaen"/>
-        <a:font script="Armn" typeface="Arial"/>
-        <a:font script="Bugi" typeface="Leelawadee UI"/>
-        <a:font script="Bopo" typeface="Microsoft JhengHei"/>
-        <a:font script="Java" typeface="Javanese Text"/>
-        <a:font script="Lisu" typeface="Segoe UI"/>
-        <a:font script="Mymr" typeface="Myanmar Text"/>
-        <a:font script="Nkoo" typeface="Ebrima"/>
-        <a:font script="Olck" typeface="Nirmala UI"/>
-        <a:font script="Osma" typeface="Ebrima"/>
-        <a:font script="Phag" typeface="Phagspa"/>
-        <a:font script="Syrn" typeface="Estrangelo Edessa"/>
-        <a:font script="Syrj" typeface="Estrangelo Edessa"/>
-        <a:font script="Syre" typeface="Estrangelo Edessa"/>
-        <a:font script="Sora" typeface="Nirmala UI"/>
-        <a:font script="Tale" typeface="Microsoft Tai Le"/>
-        <a:font script="Talu" typeface="Microsoft New Tai Lue"/>
-        <a:font script="Tfng" typeface="Ebrima"/>
+      </a:majorFont>
+      <a:minorFont>
+        <a:latin typeface="Calibri" panose="020F0502020204030204"/>
+        <a:ea typeface=""/>
+        <a:cs typeface=""/>
+        <a:font script="Jpan" typeface="メイリオ"/>
+        <a:font script="Hang" typeface="맑은 고딕"/>
+        <a:font script="Hans" typeface="宋体"/>
+        <a:font script="Hant" typeface="新細明體"/>
+        <a:font script="Arab" typeface="Arial"/>
+        <a:font script="Hebr" typeface="Arial"/>
+        <a:font script="Thai" typeface="Cordia New"/>
+        <a:font script="Ethi" typeface="Nyala"/>
+        <a:font script="Beng" typeface="Vrinda"/>
+        <a:font script="Gujr" typeface="Shruti"/>
+        <a:font script="Khmr" typeface="DaunPenh"/>
+        <a:font script="Knda" typeface="Tunga"/>
+        <a:font script="Guru" typeface="Raavi"/>
+        <a:font script="Cans" typeface="Euphemia"/>
+        <a:font script="Cher" typeface="Plantagenet Cherokee"/>
+        <a:font script="Yiii" typeface="Microsoft Yi Baiti"/>
+        <a:font script="Tibt" typeface="Microsoft Himalaya"/>
+        <a:font script="Thaa" typeface="MV Boli"/>
+        <a:font script="Deva" typeface="Mangal"/>
+        <a:font script="Telu" typeface="Gautami"/>
+        <a:font script="Taml" typeface="Latha"/>
+        <a:font script="Syrc" typeface="Estrangelo Edessa"/>
+        <a:font script="Orya" typeface="Kalinga"/>
+        <a:font script="Mlym" typeface="Kartika"/>
+        <a:font script="Laoo" typeface="DokChampa"/>
+        <a:font script="Sinh" typeface="Iskoola Pota"/>
+        <a:font script="Mong" typeface="Mongolian Baiti"/>
+        <a:font script="Viet" typeface="Tahoma"/>
+        <a:font script="Uigh" typeface="Microsoft Uighur"/>
+        <a:font script="Geor" typeface="Sylfaen"/>
       </a:minorFont>
     </a:fontScheme>
     <a:fmtScheme name="Office">
